--- a/original/9_要件定義技法ガイド/技法ガイド（検証ガイド編）.pptx
+++ b/original/9_要件定義技法ガイド/技法ガイド（検証ガイド編）.pptx
@@ -209,7 +209,7 @@
             <a:fld id="{6952135A-CF7D-4615-9482-B4F97B9D8950}" type="datetimeFigureOut">
               <a:rPr kumimoji="1" lang="ja-JP" altLang="en-US" smtClean="0"/>
               <a:pPr/>
-              <a:t>2018/8/31</a:t>
+              <a:t>2019/9/4</a:t>
             </a:fld>
             <a:endParaRPr kumimoji="1" lang="ja-JP" altLang="en-US" dirty="0"/>
           </a:p>
@@ -821,7 +821,7 @@
         </p:blipFill>
         <p:spPr>
           <a:xfrm>
-            <a:off x="491064" y="6237312"/>
+            <a:off x="491064" y="5877272"/>
             <a:ext cx="825953" cy="295893"/>
           </a:xfrm>
           <a:prstGeom prst="rect">
@@ -837,7 +837,7 @@
         </p:nvSpPr>
         <p:spPr>
           <a:xfrm>
-            <a:off x="491064" y="6512356"/>
+            <a:off x="491064" y="6189471"/>
             <a:ext cx="7632848" cy="261610"/>
           </a:xfrm>
           <a:prstGeom prst="rect">
@@ -929,6 +929,84 @@
                 <a:ea typeface="HGPｺﾞｼｯｸM" panose="020B0600000000000000" pitchFamily="50" charset="-128"/>
               </a:rPr>
               <a:t>の下に提供されています。</a:t>
+            </a:r>
+            <a:endParaRPr lang="ja-JP" altLang="en-US" sz="1100" dirty="0">
+              <a:latin typeface="HGPｺﾞｼｯｸM" panose="020B0600000000000000" pitchFamily="50" charset="-128"/>
+              <a:ea typeface="HGPｺﾞｼｯｸM" panose="020B0600000000000000" pitchFamily="50" charset="-128"/>
+            </a:endParaRPr>
+          </a:p>
+        </p:txBody>
+      </p:sp>
+      <p:sp>
+        <p:nvSpPr>
+          <p:cNvPr id="6" name="テキスト ボックス 5"/>
+          <p:cNvSpPr txBox="1"/>
+          <p:nvPr userDrawn="1"/>
+        </p:nvSpPr>
+        <p:spPr>
+          <a:xfrm>
+            <a:off x="486525" y="6474319"/>
+            <a:ext cx="7632848" cy="261610"/>
+          </a:xfrm>
+          <a:prstGeom prst="rect">
+            <a:avLst/>
+          </a:prstGeom>
+          <a:noFill/>
+        </p:spPr>
+        <p:txBody>
+          <a:bodyPr wrap="square" rtlCol="0">
+            <a:spAutoFit/>
+          </a:bodyPr>
+          <a:lstStyle/>
+          <a:p>
+            <a:r>
+              <a:rPr lang="ja-JP" altLang="en-US" sz="1100" dirty="0" smtClean="0">
+                <a:latin typeface="HGPｺﾞｼｯｸM" panose="020B0600000000000000" pitchFamily="50" charset="-128"/>
+                <a:ea typeface="HGPｺﾞｼｯｸM" panose="020B0600000000000000" pitchFamily="50" charset="-128"/>
+              </a:rPr>
+              <a:t>要件定義フレームワーク</a:t>
+            </a:r>
+            <a:r>
+              <a:rPr lang="en-US" altLang="ja-JP" sz="1100" dirty="0" smtClean="0">
+                <a:latin typeface="HGPｺﾞｼｯｸM" panose="020B0600000000000000" pitchFamily="50" charset="-128"/>
+                <a:ea typeface="HGPｺﾞｼｯｸM" panose="020B0600000000000000" pitchFamily="50" charset="-128"/>
+              </a:rPr>
+              <a:t>©2018 TIS INC. </a:t>
+            </a:r>
+            <a:r>
+              <a:rPr lang="ja-JP" altLang="en-US" sz="1100" dirty="0" smtClean="0">
+                <a:latin typeface="HGPｺﾞｼｯｸM" panose="020B0600000000000000" pitchFamily="50" charset="-128"/>
+                <a:ea typeface="HGPｺﾞｼｯｸM" panose="020B0600000000000000" pitchFamily="50" charset="-128"/>
+              </a:rPr>
+              <a:t>クリエイティブ・コモンズ・ライセンス（表示</a:t>
+            </a:r>
+            <a:r>
+              <a:rPr lang="en-US" altLang="ja-JP" sz="1100" dirty="0" smtClean="0">
+                <a:latin typeface="HGPｺﾞｼｯｸM" panose="020B0600000000000000" pitchFamily="50" charset="-128"/>
+                <a:ea typeface="HGPｺﾞｼｯｸM" panose="020B0600000000000000" pitchFamily="50" charset="-128"/>
+              </a:rPr>
+              <a:t>-</a:t>
+            </a:r>
+            <a:r>
+              <a:rPr lang="ja-JP" altLang="en-US" sz="1100" dirty="0" smtClean="0">
+                <a:latin typeface="HGPｺﾞｼｯｸM" panose="020B0600000000000000" pitchFamily="50" charset="-128"/>
+                <a:ea typeface="HGPｺﾞｼｯｸM" panose="020B0600000000000000" pitchFamily="50" charset="-128"/>
+              </a:rPr>
+              <a:t>継承 </a:t>
+            </a:r>
+            <a:r>
+              <a:rPr lang="en-US" altLang="ja-JP" sz="1100" dirty="0" smtClean="0">
+                <a:latin typeface="HGPｺﾞｼｯｸM" panose="020B0600000000000000" pitchFamily="50" charset="-128"/>
+                <a:ea typeface="HGPｺﾞｼｯｸM" panose="020B0600000000000000" pitchFamily="50" charset="-128"/>
+              </a:rPr>
+              <a:t>4.0 </a:t>
+            </a:r>
+            <a:r>
+              <a:rPr lang="ja-JP" altLang="en-US" sz="1100" dirty="0" smtClean="0">
+                <a:latin typeface="HGPｺﾞｼｯｸM" panose="020B0600000000000000" pitchFamily="50" charset="-128"/>
+                <a:ea typeface="HGPｺﾞｼｯｸM" panose="020B0600000000000000" pitchFamily="50" charset="-128"/>
+              </a:rPr>
+              <a:t>国際）</a:t>
             </a:r>
             <a:endParaRPr lang="ja-JP" altLang="en-US" sz="1100" dirty="0">
               <a:latin typeface="HGPｺﾞｼｯｸM" panose="020B0600000000000000" pitchFamily="50" charset="-128"/>
@@ -1790,49 +1868,6 @@
           </a:p>
         </p:txBody>
       </p:sp>
-      <p:sp>
-        <p:nvSpPr>
-          <p:cNvPr id="4" name="テキスト ボックス 3"/>
-          <p:cNvSpPr txBox="1"/>
-          <p:nvPr/>
-        </p:nvSpPr>
-        <p:spPr>
-          <a:xfrm>
-            <a:off x="491064" y="5268526"/>
-            <a:ext cx="2064712" cy="338554"/>
-          </a:xfrm>
-          <a:prstGeom prst="rect">
-            <a:avLst/>
-          </a:prstGeom>
-          <a:noFill/>
-        </p:spPr>
-        <p:txBody>
-          <a:bodyPr wrap="square" rtlCol="0">
-            <a:spAutoFit/>
-          </a:bodyPr>
-          <a:lstStyle/>
-          <a:p>
-            <a:r>
-              <a:rPr kumimoji="1" lang="en-US" altLang="ja-JP" sz="1600" dirty="0" smtClean="0">
-                <a:latin typeface="HGPｺﾞｼｯｸM" panose="020B0600000000000000" pitchFamily="50" charset="-128"/>
-                <a:ea typeface="HGPｺﾞｼｯｸM" panose="020B0600000000000000" pitchFamily="50" charset="-128"/>
-              </a:rPr>
-              <a:t>TIS</a:t>
-            </a:r>
-            <a:r>
-              <a:rPr kumimoji="1" lang="ja-JP" altLang="en-US" sz="1600" dirty="0" smtClean="0">
-                <a:latin typeface="HGPｺﾞｼｯｸM" panose="020B0600000000000000" pitchFamily="50" charset="-128"/>
-                <a:ea typeface="HGPｺﾞｼｯｸM" panose="020B0600000000000000" pitchFamily="50" charset="-128"/>
-              </a:rPr>
-              <a:t>株式会社</a:t>
-            </a:r>
-            <a:endParaRPr kumimoji="1" lang="ja-JP" altLang="en-US" sz="1600" dirty="0">
-              <a:latin typeface="HGPｺﾞｼｯｸM" panose="020B0600000000000000" pitchFamily="50" charset="-128"/>
-              <a:ea typeface="HGPｺﾞｼｯｸM" panose="020B0600000000000000" pitchFamily="50" charset="-128"/>
-            </a:endParaRPr>
-          </a:p>
-        </p:txBody>
-      </p:sp>
     </p:spTree>
     <p:extLst>
       <p:ext uri="{BB962C8B-B14F-4D97-AF65-F5344CB8AC3E}">
@@ -3419,10 +3454,6 @@
               </a:rPr>
               <a:t>]</a:t>
             </a:r>
-            <a:endParaRPr lang="en-US" altLang="ja-JP" sz="1200" dirty="0" smtClean="0">
-              <a:latin typeface="HGPｺﾞｼｯｸM" panose="020B0600000000000000" pitchFamily="50" charset="-128"/>
-              <a:ea typeface="HGPｺﾞｼｯｸM" panose="020B0600000000000000" pitchFamily="50" charset="-128"/>
-            </a:endParaRPr>
           </a:p>
         </p:txBody>
       </p:sp>
